--- a/_PowerPoints/1st Semester/Unit 3 Systems of Equations/Algebra3_Day_026 3.3 and 3.6 Solving Systems of Inequalities and Matrices.pptx
+++ b/_PowerPoints/1st Semester/Unit 3 Systems of Equations/Algebra3_Day_026 3.3 and 3.6 Solving Systems of Inequalities and Matrices.pptx
@@ -209,7 +209,7 @@
           <a:p>
             <a:fld id="{FAC4242D-6570-4D26-878C-5DE8AD62D39F}" type="datetimeFigureOut">
               <a:rPr lang="en-US" smtClean="0"/>
-              <a:t>11/3/2017</a:t>
+              <a:t>11/14/2018</a:t>
             </a:fld>
             <a:endParaRPr lang="en-US"/>
           </a:p>
@@ -462,7 +462,7 @@
             <a:fld id="{87DE6118-2437-4B30-8E3C-4D2BE6020583}" type="datetimeFigureOut">
               <a:rPr lang="en-US" dirty="0"/>
               <a:pPr/>
-              <a:t>11/3/2017</a:t>
+              <a:t>11/14/2018</a:t>
             </a:fld>
             <a:endParaRPr lang="en-US" dirty="0"/>
           </a:p>
@@ -788,7 +788,7 @@
           <a:p>
             <a:fld id="{87DE6118-2437-4B30-8E3C-4D2BE6020583}" type="datetimeFigureOut">
               <a:rPr lang="en-US" dirty="0"/>
-              <a:t>11/3/2017</a:t>
+              <a:t>11/14/2018</a:t>
             </a:fld>
             <a:endParaRPr lang="en-US" dirty="0"/>
           </a:p>
@@ -963,7 +963,7 @@
           <a:p>
             <a:fld id="{87DE6118-2437-4B30-8E3C-4D2BE6020583}" type="datetimeFigureOut">
               <a:rPr lang="en-US" dirty="0"/>
-              <a:t>11/3/2017</a:t>
+              <a:t>11/14/2018</a:t>
             </a:fld>
             <a:endParaRPr lang="en-US" dirty="0"/>
           </a:p>
@@ -1128,7 +1128,7 @@
           <a:p>
             <a:fld id="{87DE6118-2437-4B30-8E3C-4D2BE6020583}" type="datetimeFigureOut">
               <a:rPr lang="en-US" dirty="0"/>
-              <a:t>11/3/2017</a:t>
+              <a:t>11/14/2018</a:t>
             </a:fld>
             <a:endParaRPr lang="en-US" dirty="0"/>
           </a:p>
@@ -1401,7 +1401,7 @@
             <a:fld id="{87DE6118-2437-4B30-8E3C-4D2BE6020583}" type="datetimeFigureOut">
               <a:rPr lang="en-US" dirty="0"/>
               <a:pPr/>
-              <a:t>11/3/2017</a:t>
+              <a:t>11/14/2018</a:t>
             </a:fld>
             <a:endParaRPr lang="en-US" dirty="0"/>
           </a:p>
@@ -1791,7 +1791,7 @@
           <a:p>
             <a:fld id="{87DE6118-2437-4B30-8E3C-4D2BE6020583}" type="datetimeFigureOut">
               <a:rPr lang="en-US" dirty="0"/>
-              <a:t>11/3/2017</a:t>
+              <a:t>11/14/2018</a:t>
             </a:fld>
             <a:endParaRPr lang="en-US" dirty="0"/>
           </a:p>
@@ -2263,7 +2263,7 @@
           <a:p>
             <a:fld id="{87DE6118-2437-4B30-8E3C-4D2BE6020583}" type="datetimeFigureOut">
               <a:rPr lang="en-US" dirty="0"/>
-              <a:t>11/3/2017</a:t>
+              <a:t>11/14/2018</a:t>
             </a:fld>
             <a:endParaRPr lang="en-US" dirty="0"/>
           </a:p>
@@ -2376,7 +2376,7 @@
           <a:p>
             <a:fld id="{87DE6118-2437-4B30-8E3C-4D2BE6020583}" type="datetimeFigureOut">
               <a:rPr lang="en-US" dirty="0"/>
-              <a:t>11/3/2017</a:t>
+              <a:t>11/14/2018</a:t>
             </a:fld>
             <a:endParaRPr lang="en-US" dirty="0"/>
           </a:p>
@@ -2466,7 +2466,7 @@
           <a:p>
             <a:fld id="{87DE6118-2437-4B30-8E3C-4D2BE6020583}" type="datetimeFigureOut">
               <a:rPr lang="en-US" dirty="0"/>
-              <a:t>11/3/2017</a:t>
+              <a:t>11/14/2018</a:t>
             </a:fld>
             <a:endParaRPr lang="en-US" dirty="0"/>
           </a:p>
@@ -2808,7 +2808,7 @@
             <a:fld id="{87DE6118-2437-4B30-8E3C-4D2BE6020583}" type="datetimeFigureOut">
               <a:rPr lang="en-US" dirty="0"/>
               <a:pPr/>
-              <a:t>11/3/2017</a:t>
+              <a:t>11/14/2018</a:t>
             </a:fld>
             <a:endParaRPr lang="en-US" dirty="0"/>
           </a:p>
@@ -3193,7 +3193,7 @@
             <a:fld id="{87DE6118-2437-4B30-8E3C-4D2BE6020583}" type="datetimeFigureOut">
               <a:rPr lang="en-US" dirty="0"/>
               <a:pPr/>
-              <a:t>11/3/2017</a:t>
+              <a:t>11/14/2018</a:t>
             </a:fld>
             <a:endParaRPr lang="en-US" dirty="0"/>
           </a:p>
@@ -3468,7 +3468,7 @@
             <a:fld id="{87DE6118-2437-4B30-8E3C-4D2BE6020583}" type="datetimeFigureOut">
               <a:rPr lang="en-US" dirty="0"/>
               <a:pPr/>
-              <a:t>11/3/2017</a:t>
+              <a:t>11/14/2018</a:t>
             </a:fld>
             <a:endParaRPr lang="en-US" dirty="0"/>
           </a:p>
@@ -4007,18 +4007,14 @@
             </a:br>
             <a:r>
               <a:rPr lang="en-US" b="1" u="sng" dirty="0" smtClean="0"/>
-              <a:t>Solve the </a:t>
-            </a:r>
-            <a:r>
-              <a:rPr lang="en-US" b="1" u="sng" dirty="0" smtClean="0"/>
-              <a:t>system.</a:t>
+              <a:t>Solve the system.</a:t>
             </a:r>
             <a:endParaRPr lang="en-US" dirty="0"/>
           </a:p>
         </p:txBody>
       </p:sp>
-      <mc:AlternateContent xmlns:mc="http://schemas.openxmlformats.org/markup-compatibility/2006" xmlns:a14="http://schemas.microsoft.com/office/drawing/2010/main">
-        <mc:Choice Requires="a14">
+      <mc:AlternateContent xmlns:mc="http://schemas.openxmlformats.org/markup-compatibility/2006">
+        <mc:Choice xmlns:a14="http://schemas.microsoft.com/office/drawing/2010/main" Requires="a14">
           <p:sp>
             <p:nvSpPr>
               <p:cNvPr id="3" name="Content Placeholder 2"/>
@@ -4031,7 +4027,7 @@
             </p:nvSpPr>
             <p:spPr>
               <a:xfrm>
-                <a:off x="1371600" y="3276600"/>
+                <a:off x="1371599" y="2581656"/>
                 <a:ext cx="9601200" cy="2590800"/>
               </a:xfrm>
             </p:spPr>
@@ -4138,7 +4134,7 @@
             </p:txBody>
           </p:sp>
         </mc:Choice>
-        <mc:Fallback xmlns="">
+        <mc:Fallback>
           <p:sp>
             <p:nvSpPr>
               <p:cNvPr id="3" name="Content Placeholder 2"/>
@@ -4151,7 +4147,7 @@
             </p:nvSpPr>
             <p:spPr>
               <a:xfrm>
-                <a:off x="1371600" y="3276600"/>
+                <a:off x="1371599" y="2581656"/>
                 <a:ext cx="9601200" cy="2590800"/>
               </a:xfrm>
               <a:blipFill rotWithShape="0">
@@ -5046,8 +5042,8 @@
           </a:p>
         </p:txBody>
       </p:sp>
-      <mc:AlternateContent xmlns:mc="http://schemas.openxmlformats.org/markup-compatibility/2006">
-        <mc:Choice xmlns:a14="http://schemas.microsoft.com/office/drawing/2010/main" Requires="a14">
+      <mc:AlternateContent xmlns:mc="http://schemas.openxmlformats.org/markup-compatibility/2006" xmlns:a14="http://schemas.microsoft.com/office/drawing/2010/main">
+        <mc:Choice Requires="a14">
           <p:sp>
             <p:nvSpPr>
               <p:cNvPr id="3" name="Content Placeholder 2"/>
@@ -5073,15 +5069,7 @@
                 </a:pPr>
                 <a:r>
                   <a:rPr lang="en-US" sz="3200" dirty="0" smtClean="0"/>
-                  <a:t>1.) </a:t>
-                </a:r>
-                <a:r>
-                  <a:rPr lang="en-US" sz="3200" dirty="0" smtClean="0"/>
-                  <a:t>y</a:t>
-                </a:r>
-                <a:r>
-                  <a:rPr lang="en-US" sz="3200" dirty="0" smtClean="0"/>
-                  <a:t>–4x </a:t>
+                  <a:t>1.) y–4x </a:t>
                 </a:r>
                 <a14:m>
                   <m:oMath xmlns:m="http://schemas.openxmlformats.org/officeDocument/2006/math">
@@ -5165,7 +5153,7 @@
             </p:txBody>
           </p:sp>
         </mc:Choice>
-        <mc:Fallback>
+        <mc:Fallback xmlns="">
           <p:sp>
             <p:nvSpPr>
               <p:cNvPr id="3" name="Content Placeholder 2"/>
